--- a/Guided_Capstone_Slide_Deck.pptx
+++ b/Guided_Capstone_Slide_Deck.pptx
@@ -6,9 +6,12 @@
   </p:sldMasterIdLst>
   <p:sldIdLst>
     <p:sldId id="256" r:id="rId2"/>
-    <p:sldId id="257" r:id="rId3"/>
-    <p:sldId id="258" r:id="rId4"/>
-    <p:sldId id="259" r:id="rId5"/>
+    <p:sldId id="260" r:id="rId3"/>
+    <p:sldId id="257" r:id="rId4"/>
+    <p:sldId id="258" r:id="rId5"/>
+    <p:sldId id="261" r:id="rId6"/>
+    <p:sldId id="263" r:id="rId7"/>
+    <p:sldId id="262" r:id="rId8"/>
   </p:sldIdLst>
   <p:sldSz cx="12192000" cy="6858000"/>
   <p:notesSz cx="6858000" cy="9144000"/>
@@ -107,7 +110,24 @@
       </a:defRPr>
     </a:lvl9pPr>
   </p:defaultTextStyle>
+  <p:extLst>
+    <p:ext uri="{EFAFB233-063F-42B5-8137-9DF3F51BA10A}">
+      <p15:sldGuideLst xmlns:p15="http://schemas.microsoft.com/office/powerpoint/2012/main"/>
+    </p:ext>
+  </p:extLst>
 </p:presentation>
+</file>
+
+<file path=ppt/commentAuthors.xml><?xml version="1.0" encoding="utf-8"?>
+<p:cmAuthorLst xmlns:a="http://schemas.openxmlformats.org/drawingml/2006/main" xmlns:r="http://schemas.openxmlformats.org/officeDocument/2006/relationships" xmlns:p="http://schemas.openxmlformats.org/presentationml/2006/main">
+  <p:cmAuthor id="1" name="spider" initials="s" lastIdx="1" clrIdx="0">
+    <p:extLst>
+      <p:ext uri="{19B8F6BF-5375-455C-9EA6-DF929625EA0E}">
+        <p15:presenceInfo xmlns:p15="http://schemas.microsoft.com/office/powerpoint/2012/main" userId="spider" providerId="None"/>
+      </p:ext>
+    </p:extLst>
+  </p:cmAuthor>
+</p:cmAuthorLst>
 </file>
 
 <file path=ppt/slideLayouts/slideLayout1.xml><?xml version="1.0" encoding="utf-8"?>
@@ -3451,7 +3471,7 @@
           <p:cNvPr id="2" name="Title 1">
             <a:extLst>
               <a:ext uri="{FF2B5EF4-FFF2-40B4-BE49-F238E27FC236}">
-                <a16:creationId xmlns:a16="http://schemas.microsoft.com/office/drawing/2014/main" id="{D07CD707-1D33-41E7-AA37-DB41E9EEF017}"/>
+                <a16:creationId xmlns:a16="http://schemas.microsoft.com/office/drawing/2014/main" id="{F2D847DC-783E-4CA7-8082-DC8B82ECD1B0}"/>
               </a:ext>
             </a:extLst>
           </p:cNvPr>
@@ -3464,54 +3484,65 @@
         </p:nvSpPr>
         <p:spPr/>
         <p:txBody>
-          <a:bodyPr>
-            <a:normAutofit/>
-          </a:bodyPr>
-          <a:lstStyle/>
-          <a:p>
-            <a:r>
-              <a:rPr lang="en-IN" sz="4000" dirty="0"/>
-              <a:t>Big Mountain resort ticket price comparison in state Montana</a:t>
-            </a:r>
-          </a:p>
-        </p:txBody>
-      </p:sp>
-      <p:pic>
-        <p:nvPicPr>
-          <p:cNvPr id="4" name="Content Placeholder 3">
-            <a:extLst>
-              <a:ext uri="{FF2B5EF4-FFF2-40B4-BE49-F238E27FC236}">
-                <a16:creationId xmlns:a16="http://schemas.microsoft.com/office/drawing/2014/main" id="{580245D0-76A1-4C52-A0B4-CBCA48513442}"/>
-              </a:ext>
-            </a:extLst>
-          </p:cNvPr>
-          <p:cNvPicPr>
-            <a:picLocks noGrp="1" noChangeAspect="1"/>
-          </p:cNvPicPr>
+          <a:bodyPr/>
+          <a:lstStyle/>
+          <a:p>
+            <a:r>
+              <a:rPr lang="en-IN" dirty="0"/>
+              <a:t>Problem Identification</a:t>
+            </a:r>
+          </a:p>
+        </p:txBody>
+      </p:sp>
+      <p:sp>
+        <p:nvSpPr>
+          <p:cNvPr id="3" name="Content Placeholder 2">
+            <a:extLst>
+              <a:ext uri="{FF2B5EF4-FFF2-40B4-BE49-F238E27FC236}">
+                <a16:creationId xmlns:a16="http://schemas.microsoft.com/office/drawing/2014/main" id="{310C7A01-D62B-4218-80B0-A2E4A3172E2D}"/>
+              </a:ext>
+            </a:extLst>
+          </p:cNvPr>
+          <p:cNvSpPr>
+            <a:spLocks noGrp="1"/>
+          </p:cNvSpPr>
           <p:nvPr>
             <p:ph idx="1"/>
           </p:nvPr>
-        </p:nvPicPr>
-        <p:blipFill>
-          <a:blip r:embed="rId2"/>
-          <a:stretch>
-            <a:fillRect/>
-          </a:stretch>
-        </p:blipFill>
+        </p:nvSpPr>
         <p:spPr>
           <a:xfrm>
-            <a:off x="1725275" y="2105526"/>
-            <a:ext cx="8415522" cy="3946357"/>
+            <a:off x="838200" y="1825625"/>
+            <a:ext cx="10515600" cy="3817186"/>
           </a:xfrm>
-          <a:prstGeom prst="rect">
-            <a:avLst/>
-          </a:prstGeom>
         </p:spPr>
-      </p:pic>
+        <p:txBody>
+          <a:bodyPr/>
+          <a:lstStyle/>
+          <a:p>
+            <a:r>
+              <a:rPr lang="en-IN" dirty="0"/>
+              <a:t>The target is to increase the overall revenue of the Big Mountain Resort.</a:t>
+            </a:r>
+          </a:p>
+          <a:p>
+            <a:r>
+              <a:rPr lang="en-IN" dirty="0"/>
+              <a:t>Revenue can be increased by increasing the ticket prices.</a:t>
+            </a:r>
+          </a:p>
+          <a:p>
+            <a:r>
+              <a:rPr lang="en-IN" dirty="0"/>
+              <a:t>Revenue can be increased by decreasing the operational cost.</a:t>
+            </a:r>
+          </a:p>
+        </p:txBody>
+      </p:sp>
     </p:spTree>
     <p:extLst>
       <p:ext uri="{BB962C8B-B14F-4D97-AF65-F5344CB8AC3E}">
-        <p14:creationId xmlns:p14="http://schemas.microsoft.com/office/powerpoint/2010/main" val="1843104325"/>
+        <p14:creationId xmlns:p14="http://schemas.microsoft.com/office/powerpoint/2010/main" val="3439849057"/>
       </p:ext>
     </p:extLst>
   </p:cSld>
@@ -3543,7 +3574,7 @@
           <p:cNvPr id="2" name="Title 1">
             <a:extLst>
               <a:ext uri="{FF2B5EF4-FFF2-40B4-BE49-F238E27FC236}">
-                <a16:creationId xmlns:a16="http://schemas.microsoft.com/office/drawing/2014/main" id="{46169888-8D09-442B-A916-3959ABC597FB}"/>
+                <a16:creationId xmlns:a16="http://schemas.microsoft.com/office/drawing/2014/main" id="{D07CD707-1D33-41E7-AA37-DB41E9EEF017}"/>
               </a:ext>
             </a:extLst>
           </p:cNvPr>
@@ -3554,7 +3585,12 @@
             <p:ph type="title"/>
           </p:nvPr>
         </p:nvSpPr>
-        <p:spPr/>
+        <p:spPr>
+          <a:xfrm>
+            <a:off x="838200" y="569662"/>
+            <a:ext cx="10515600" cy="1325563"/>
+          </a:xfrm>
+        </p:spPr>
         <p:txBody>
           <a:bodyPr>
             <a:normAutofit/>
@@ -3563,7 +3599,7 @@
           <a:p>
             <a:r>
               <a:rPr lang="en-IN" sz="4000" dirty="0"/>
-              <a:t>Big Mountain Resort ticket price comparison in overall resorts in country USA</a:t>
+              <a:t>Big Mountain resort ticket price comparison in state Montana</a:t>
             </a:r>
           </a:p>
         </p:txBody>
@@ -3573,7 +3609,7 @@
           <p:cNvPr id="4" name="Content Placeholder 3">
             <a:extLst>
               <a:ext uri="{FF2B5EF4-FFF2-40B4-BE49-F238E27FC236}">
-                <a16:creationId xmlns:a16="http://schemas.microsoft.com/office/drawing/2014/main" id="{655260B9-0738-4474-8F32-D4DE3CF27742}"/>
+                <a16:creationId xmlns:a16="http://schemas.microsoft.com/office/drawing/2014/main" id="{580245D0-76A1-4C52-A0B4-CBCA48513442}"/>
               </a:ext>
             </a:extLst>
           </p:cNvPr>
@@ -3592,18 +3628,221 @@
         </p:blipFill>
         <p:spPr>
           <a:xfrm>
-            <a:off x="1155032" y="1873325"/>
-            <a:ext cx="9004032" cy="4214653"/>
+            <a:off x="1641052" y="2663951"/>
+            <a:ext cx="8415522" cy="3946357"/>
           </a:xfrm>
           <a:prstGeom prst="rect">
             <a:avLst/>
           </a:prstGeom>
         </p:spPr>
       </p:pic>
+      <p:sp>
+        <p:nvSpPr>
+          <p:cNvPr id="5" name="Content Placeholder 2">
+            <a:extLst>
+              <a:ext uri="{FF2B5EF4-FFF2-40B4-BE49-F238E27FC236}">
+                <a16:creationId xmlns:a16="http://schemas.microsoft.com/office/drawing/2014/main" id="{D43BCCEC-D2BF-44FC-9E6A-609C4809B4C9}"/>
+              </a:ext>
+            </a:extLst>
+          </p:cNvPr>
+          <p:cNvSpPr txBox="1">
+            <a:spLocks/>
+          </p:cNvSpPr>
+          <p:nvPr/>
+        </p:nvSpPr>
+        <p:spPr>
+          <a:xfrm>
+            <a:off x="838200" y="1958265"/>
+            <a:ext cx="10515600" cy="741781"/>
+          </a:xfrm>
+          <a:prstGeom prst="rect">
+            <a:avLst/>
+          </a:prstGeom>
+        </p:spPr>
+        <p:txBody>
+          <a:bodyPr vert="horz" lIns="91440" tIns="45720" rIns="91440" bIns="45720" rtlCol="0">
+            <a:normAutofit/>
+          </a:bodyPr>
+          <a:lstStyle>
+            <a:lvl1pPr marL="228600" indent="-228600" algn="l" defTabSz="914400" rtl="0" eaLnBrk="1" latinLnBrk="0" hangingPunct="1">
+              <a:lnSpc>
+                <a:spcPct val="90000"/>
+              </a:lnSpc>
+              <a:spcBef>
+                <a:spcPts val="1000"/>
+              </a:spcBef>
+              <a:buFont typeface="Arial" panose="020B0604020202020204" pitchFamily="34" charset="0"/>
+              <a:buChar char="•"/>
+              <a:defRPr sz="2800" kern="1200">
+                <a:solidFill>
+                  <a:schemeClr val="tx1"/>
+                </a:solidFill>
+                <a:latin typeface="+mn-lt"/>
+                <a:ea typeface="+mn-ea"/>
+                <a:cs typeface="+mn-cs"/>
+              </a:defRPr>
+            </a:lvl1pPr>
+            <a:lvl2pPr marL="685800" indent="-228600" algn="l" defTabSz="914400" rtl="0" eaLnBrk="1" latinLnBrk="0" hangingPunct="1">
+              <a:lnSpc>
+                <a:spcPct val="90000"/>
+              </a:lnSpc>
+              <a:spcBef>
+                <a:spcPts val="500"/>
+              </a:spcBef>
+              <a:buFont typeface="Arial" panose="020B0604020202020204" pitchFamily="34" charset="0"/>
+              <a:buChar char="•"/>
+              <a:defRPr sz="2400" kern="1200">
+                <a:solidFill>
+                  <a:schemeClr val="tx1"/>
+                </a:solidFill>
+                <a:latin typeface="+mn-lt"/>
+                <a:ea typeface="+mn-ea"/>
+                <a:cs typeface="+mn-cs"/>
+              </a:defRPr>
+            </a:lvl2pPr>
+            <a:lvl3pPr marL="1143000" indent="-228600" algn="l" defTabSz="914400" rtl="0" eaLnBrk="1" latinLnBrk="0" hangingPunct="1">
+              <a:lnSpc>
+                <a:spcPct val="90000"/>
+              </a:lnSpc>
+              <a:spcBef>
+                <a:spcPts val="500"/>
+              </a:spcBef>
+              <a:buFont typeface="Arial" panose="020B0604020202020204" pitchFamily="34" charset="0"/>
+              <a:buChar char="•"/>
+              <a:defRPr sz="2000" kern="1200">
+                <a:solidFill>
+                  <a:schemeClr val="tx1"/>
+                </a:solidFill>
+                <a:latin typeface="+mn-lt"/>
+                <a:ea typeface="+mn-ea"/>
+                <a:cs typeface="+mn-cs"/>
+              </a:defRPr>
+            </a:lvl3pPr>
+            <a:lvl4pPr marL="1600200" indent="-228600" algn="l" defTabSz="914400" rtl="0" eaLnBrk="1" latinLnBrk="0" hangingPunct="1">
+              <a:lnSpc>
+                <a:spcPct val="90000"/>
+              </a:lnSpc>
+              <a:spcBef>
+                <a:spcPts val="500"/>
+              </a:spcBef>
+              <a:buFont typeface="Arial" panose="020B0604020202020204" pitchFamily="34" charset="0"/>
+              <a:buChar char="•"/>
+              <a:defRPr sz="1800" kern="1200">
+                <a:solidFill>
+                  <a:schemeClr val="tx1"/>
+                </a:solidFill>
+                <a:latin typeface="+mn-lt"/>
+                <a:ea typeface="+mn-ea"/>
+                <a:cs typeface="+mn-cs"/>
+              </a:defRPr>
+            </a:lvl4pPr>
+            <a:lvl5pPr marL="2057400" indent="-228600" algn="l" defTabSz="914400" rtl="0" eaLnBrk="1" latinLnBrk="0" hangingPunct="1">
+              <a:lnSpc>
+                <a:spcPct val="90000"/>
+              </a:lnSpc>
+              <a:spcBef>
+                <a:spcPts val="500"/>
+              </a:spcBef>
+              <a:buFont typeface="Arial" panose="020B0604020202020204" pitchFamily="34" charset="0"/>
+              <a:buChar char="•"/>
+              <a:defRPr sz="1800" kern="1200">
+                <a:solidFill>
+                  <a:schemeClr val="tx1"/>
+                </a:solidFill>
+                <a:latin typeface="+mn-lt"/>
+                <a:ea typeface="+mn-ea"/>
+                <a:cs typeface="+mn-cs"/>
+              </a:defRPr>
+            </a:lvl5pPr>
+            <a:lvl6pPr marL="2514600" indent="-228600" algn="l" defTabSz="914400" rtl="0" eaLnBrk="1" latinLnBrk="0" hangingPunct="1">
+              <a:lnSpc>
+                <a:spcPct val="90000"/>
+              </a:lnSpc>
+              <a:spcBef>
+                <a:spcPts val="500"/>
+              </a:spcBef>
+              <a:buFont typeface="Arial" panose="020B0604020202020204" pitchFamily="34" charset="0"/>
+              <a:buChar char="•"/>
+              <a:defRPr sz="1800" kern="1200">
+                <a:solidFill>
+                  <a:schemeClr val="tx1"/>
+                </a:solidFill>
+                <a:latin typeface="+mn-lt"/>
+                <a:ea typeface="+mn-ea"/>
+                <a:cs typeface="+mn-cs"/>
+              </a:defRPr>
+            </a:lvl6pPr>
+            <a:lvl7pPr marL="2971800" indent="-228600" algn="l" defTabSz="914400" rtl="0" eaLnBrk="1" latinLnBrk="0" hangingPunct="1">
+              <a:lnSpc>
+                <a:spcPct val="90000"/>
+              </a:lnSpc>
+              <a:spcBef>
+                <a:spcPts val="500"/>
+              </a:spcBef>
+              <a:buFont typeface="Arial" panose="020B0604020202020204" pitchFamily="34" charset="0"/>
+              <a:buChar char="•"/>
+              <a:defRPr sz="1800" kern="1200">
+                <a:solidFill>
+                  <a:schemeClr val="tx1"/>
+                </a:solidFill>
+                <a:latin typeface="+mn-lt"/>
+                <a:ea typeface="+mn-ea"/>
+                <a:cs typeface="+mn-cs"/>
+              </a:defRPr>
+            </a:lvl7pPr>
+            <a:lvl8pPr marL="3429000" indent="-228600" algn="l" defTabSz="914400" rtl="0" eaLnBrk="1" latinLnBrk="0" hangingPunct="1">
+              <a:lnSpc>
+                <a:spcPct val="90000"/>
+              </a:lnSpc>
+              <a:spcBef>
+                <a:spcPts val="500"/>
+              </a:spcBef>
+              <a:buFont typeface="Arial" panose="020B0604020202020204" pitchFamily="34" charset="0"/>
+              <a:buChar char="•"/>
+              <a:defRPr sz="1800" kern="1200">
+                <a:solidFill>
+                  <a:schemeClr val="tx1"/>
+                </a:solidFill>
+                <a:latin typeface="+mn-lt"/>
+                <a:ea typeface="+mn-ea"/>
+                <a:cs typeface="+mn-cs"/>
+              </a:defRPr>
+            </a:lvl8pPr>
+            <a:lvl9pPr marL="3886200" indent="-228600" algn="l" defTabSz="914400" rtl="0" eaLnBrk="1" latinLnBrk="0" hangingPunct="1">
+              <a:lnSpc>
+                <a:spcPct val="90000"/>
+              </a:lnSpc>
+              <a:spcBef>
+                <a:spcPts val="500"/>
+              </a:spcBef>
+              <a:buFont typeface="Arial" panose="020B0604020202020204" pitchFamily="34" charset="0"/>
+              <a:buChar char="•"/>
+              <a:defRPr sz="1800" kern="1200">
+                <a:solidFill>
+                  <a:schemeClr val="tx1"/>
+                </a:solidFill>
+                <a:latin typeface="+mn-lt"/>
+                <a:ea typeface="+mn-ea"/>
+                <a:cs typeface="+mn-cs"/>
+              </a:defRPr>
+            </a:lvl9pPr>
+          </a:lstStyle>
+          <a:p>
+            <a:pPr marL="0" indent="0">
+              <a:buFont typeface="Arial" panose="020B0604020202020204" pitchFamily="34" charset="0"/>
+              <a:buNone/>
+            </a:pPr>
+            <a:r>
+              <a:rPr lang="en-IN" dirty="0"/>
+              <a:t>It has the highest ticket price among its competitors in the state.</a:t>
+            </a:r>
+          </a:p>
+        </p:txBody>
+      </p:sp>
     </p:spTree>
     <p:extLst>
       <p:ext uri="{BB962C8B-B14F-4D97-AF65-F5344CB8AC3E}">
-        <p14:creationId xmlns:p14="http://schemas.microsoft.com/office/powerpoint/2010/main" val="3005216833"/>
+        <p14:creationId xmlns:p14="http://schemas.microsoft.com/office/powerpoint/2010/main" val="1843104325"/>
       </p:ext>
     </p:extLst>
   </p:cSld>
@@ -3635,7 +3874,7 @@
           <p:cNvPr id="2" name="Title 1">
             <a:extLst>
               <a:ext uri="{FF2B5EF4-FFF2-40B4-BE49-F238E27FC236}">
-                <a16:creationId xmlns:a16="http://schemas.microsoft.com/office/drawing/2014/main" id="{55A3A00F-EDED-472F-AB50-B12B5258EA69}"/>
+                <a16:creationId xmlns:a16="http://schemas.microsoft.com/office/drawing/2014/main" id="{46169888-8D09-442B-A916-3959ABC597FB}"/>
               </a:ext>
             </a:extLst>
           </p:cNvPr>
@@ -3646,68 +3885,354 @@
             <p:ph type="title"/>
           </p:nvPr>
         </p:nvSpPr>
-        <p:spPr/>
-        <p:txBody>
-          <a:bodyPr/>
-          <a:lstStyle/>
-          <a:p>
-            <a:r>
-              <a:rPr lang="en-IN" dirty="0"/>
-              <a:t>Price Prediction</a:t>
-            </a:r>
-          </a:p>
-        </p:txBody>
-      </p:sp>
-      <p:sp>
-        <p:nvSpPr>
-          <p:cNvPr id="3" name="Content Placeholder 2">
-            <a:extLst>
-              <a:ext uri="{FF2B5EF4-FFF2-40B4-BE49-F238E27FC236}">
-                <a16:creationId xmlns:a16="http://schemas.microsoft.com/office/drawing/2014/main" id="{3DA83A75-C782-4F13-B091-413B93534D4F}"/>
-              </a:ext>
-            </a:extLst>
-          </p:cNvPr>
-          <p:cNvSpPr>
-            <a:spLocks noGrp="1"/>
-          </p:cNvSpPr>
+        <p:spPr>
+          <a:xfrm>
+            <a:off x="838200" y="547762"/>
+            <a:ext cx="10515600" cy="1325563"/>
+          </a:xfrm>
+        </p:spPr>
+        <p:txBody>
+          <a:bodyPr>
+            <a:normAutofit/>
+          </a:bodyPr>
+          <a:lstStyle/>
+          <a:p>
+            <a:r>
+              <a:rPr lang="en-IN" sz="4000" dirty="0"/>
+              <a:t>Big Mountain Resort ticket price comparison in overall resorts in country USA</a:t>
+            </a:r>
+          </a:p>
+        </p:txBody>
+      </p:sp>
+      <p:pic>
+        <p:nvPicPr>
+          <p:cNvPr id="4" name="Content Placeholder 3">
+            <a:extLst>
+              <a:ext uri="{FF2B5EF4-FFF2-40B4-BE49-F238E27FC236}">
+                <a16:creationId xmlns:a16="http://schemas.microsoft.com/office/drawing/2014/main" id="{655260B9-0738-4474-8F32-D4DE3CF27742}"/>
+              </a:ext>
+            </a:extLst>
+          </p:cNvPr>
+          <p:cNvPicPr>
+            <a:picLocks noGrp="1" noChangeAspect="1"/>
+          </p:cNvPicPr>
           <p:nvPr>
             <p:ph idx="1"/>
           </p:nvPr>
-        </p:nvSpPr>
-        <p:spPr/>
-        <p:txBody>
-          <a:bodyPr/>
-          <a:lstStyle/>
-          <a:p>
-            <a:r>
-              <a:rPr lang="en-IN" dirty="0"/>
-              <a:t>Current ticket price of Big mountain resort is $81</a:t>
-            </a:r>
-          </a:p>
-          <a:p>
-            <a:r>
-              <a:rPr lang="en-IN" dirty="0"/>
-              <a:t>Predicted ticket price for Big mountain resort is $94</a:t>
-            </a:r>
-          </a:p>
-          <a:p>
-            <a:r>
-              <a:rPr lang="en-IN" dirty="0"/>
-              <a:t>Suggested ticket price for Big mountain resort is $89</a:t>
-            </a:r>
-          </a:p>
-          <a:p>
-            <a:endParaRPr lang="en-IN" dirty="0"/>
-          </a:p>
-          <a:p>
-            <a:endParaRPr lang="en-IN" dirty="0"/>
-          </a:p>
-        </p:txBody>
-      </p:sp>
+        </p:nvPicPr>
+        <p:blipFill>
+          <a:blip r:embed="rId2"/>
+          <a:stretch>
+            <a:fillRect/>
+          </a:stretch>
+        </p:blipFill>
+        <p:spPr>
+          <a:xfrm>
+            <a:off x="1203158" y="1999332"/>
+            <a:ext cx="9004032" cy="4214653"/>
+          </a:xfrm>
+          <a:prstGeom prst="rect">
+            <a:avLst/>
+          </a:prstGeom>
+        </p:spPr>
+      </p:pic>
     </p:spTree>
     <p:extLst>
       <p:ext uri="{BB962C8B-B14F-4D97-AF65-F5344CB8AC3E}">
-        <p14:creationId xmlns:p14="http://schemas.microsoft.com/office/powerpoint/2010/main" val="2641420274"/>
+        <p14:creationId xmlns:p14="http://schemas.microsoft.com/office/powerpoint/2010/main" val="3005216833"/>
+      </p:ext>
+    </p:extLst>
+  </p:cSld>
+  <p:clrMapOvr>
+    <a:masterClrMapping/>
+  </p:clrMapOvr>
+</p:sld>
+</file>
+
+<file path=ppt/slides/slide5.xml><?xml version="1.0" encoding="utf-8"?>
+<p:sld xmlns:a="http://schemas.openxmlformats.org/drawingml/2006/main" xmlns:r="http://schemas.openxmlformats.org/officeDocument/2006/relationships" xmlns:p="http://schemas.openxmlformats.org/presentationml/2006/main">
+  <p:cSld>
+    <p:spTree>
+      <p:nvGrpSpPr>
+        <p:cNvPr id="1" name=""/>
+        <p:cNvGrpSpPr/>
+        <p:nvPr/>
+      </p:nvGrpSpPr>
+      <p:grpSpPr>
+        <a:xfrm>
+          <a:off x="0" y="0"/>
+          <a:ext cx="0" cy="0"/>
+          <a:chOff x="0" y="0"/>
+          <a:chExt cx="0" cy="0"/>
+        </a:xfrm>
+      </p:grpSpPr>
+      <p:sp>
+        <p:nvSpPr>
+          <p:cNvPr id="2" name="Title 1">
+            <a:extLst>
+              <a:ext uri="{FF2B5EF4-FFF2-40B4-BE49-F238E27FC236}">
+                <a16:creationId xmlns:a16="http://schemas.microsoft.com/office/drawing/2014/main" id="{A9CB2EA4-ADCA-4454-AABB-1E0491D86EAC}"/>
+              </a:ext>
+            </a:extLst>
+          </p:cNvPr>
+          <p:cNvSpPr>
+            <a:spLocks noGrp="1"/>
+          </p:cNvSpPr>
+          <p:nvPr>
+            <p:ph type="title"/>
+          </p:nvPr>
+        </p:nvSpPr>
+        <p:spPr/>
+        <p:txBody>
+          <a:bodyPr/>
+          <a:lstStyle/>
+          <a:p>
+            <a:r>
+              <a:rPr lang="en-IN" dirty="0"/>
+              <a:t>Modelling Output</a:t>
+            </a:r>
+          </a:p>
+        </p:txBody>
+      </p:sp>
+      <p:sp>
+        <p:nvSpPr>
+          <p:cNvPr id="3" name="Content Placeholder 2">
+            <a:extLst>
+              <a:ext uri="{FF2B5EF4-FFF2-40B4-BE49-F238E27FC236}">
+                <a16:creationId xmlns:a16="http://schemas.microsoft.com/office/drawing/2014/main" id="{CE82E244-728E-44BA-96AA-AD402334B79D}"/>
+              </a:ext>
+            </a:extLst>
+          </p:cNvPr>
+          <p:cNvSpPr>
+            <a:spLocks noGrp="1"/>
+          </p:cNvSpPr>
+          <p:nvPr>
+            <p:ph idx="1"/>
+          </p:nvPr>
+        </p:nvSpPr>
+        <p:spPr>
+          <a:xfrm>
+            <a:off x="838200" y="1825625"/>
+            <a:ext cx="10515600" cy="4214228"/>
+          </a:xfrm>
+        </p:spPr>
+        <p:txBody>
+          <a:bodyPr/>
+          <a:lstStyle/>
+          <a:p>
+            <a:r>
+              <a:rPr lang="en-IN" dirty="0"/>
+              <a:t>As per current facilities the model is predicting the ticket price to almost $94, which is an almost 16% increase as per the current ticket price.</a:t>
+            </a:r>
+          </a:p>
+          <a:p>
+            <a:r>
+              <a:rPr lang="en-IN" dirty="0"/>
+              <a:t>The model lies in the assumption that other resorts have accurately set their prices based on what the market supports.</a:t>
+            </a:r>
+          </a:p>
+        </p:txBody>
+      </p:sp>
+    </p:spTree>
+    <p:extLst>
+      <p:ext uri="{BB962C8B-B14F-4D97-AF65-F5344CB8AC3E}">
+        <p14:creationId xmlns:p14="http://schemas.microsoft.com/office/powerpoint/2010/main" val="2718877951"/>
+      </p:ext>
+    </p:extLst>
+  </p:cSld>
+  <p:clrMapOvr>
+    <a:masterClrMapping/>
+  </p:clrMapOvr>
+</p:sld>
+</file>
+
+<file path=ppt/slides/slide6.xml><?xml version="1.0" encoding="utf-8"?>
+<p:sld xmlns:a="http://schemas.openxmlformats.org/drawingml/2006/main" xmlns:r="http://schemas.openxmlformats.org/officeDocument/2006/relationships" xmlns:p="http://schemas.openxmlformats.org/presentationml/2006/main">
+  <p:cSld>
+    <p:spTree>
+      <p:nvGrpSpPr>
+        <p:cNvPr id="1" name=""/>
+        <p:cNvGrpSpPr/>
+        <p:nvPr/>
+      </p:nvGrpSpPr>
+      <p:grpSpPr>
+        <a:xfrm>
+          <a:off x="0" y="0"/>
+          <a:ext cx="0" cy="0"/>
+          <a:chOff x="0" y="0"/>
+          <a:chExt cx="0" cy="0"/>
+        </a:xfrm>
+      </p:grpSpPr>
+      <p:sp>
+        <p:nvSpPr>
+          <p:cNvPr id="2" name="Title 1">
+            <a:extLst>
+              <a:ext uri="{FF2B5EF4-FFF2-40B4-BE49-F238E27FC236}">
+                <a16:creationId xmlns:a16="http://schemas.microsoft.com/office/drawing/2014/main" id="{FD67060E-6BC5-456C-92C0-3984C8C7AA1A}"/>
+              </a:ext>
+            </a:extLst>
+          </p:cNvPr>
+          <p:cNvSpPr>
+            <a:spLocks noGrp="1"/>
+          </p:cNvSpPr>
+          <p:nvPr>
+            <p:ph type="title"/>
+          </p:nvPr>
+        </p:nvSpPr>
+        <p:spPr/>
+        <p:txBody>
+          <a:bodyPr/>
+          <a:lstStyle/>
+          <a:p>
+            <a:r>
+              <a:rPr lang="en-IN" dirty="0"/>
+              <a:t>Other Modelling Outputs</a:t>
+            </a:r>
+          </a:p>
+        </p:txBody>
+      </p:sp>
+      <p:sp>
+        <p:nvSpPr>
+          <p:cNvPr id="3" name="Content Placeholder 2">
+            <a:extLst>
+              <a:ext uri="{FF2B5EF4-FFF2-40B4-BE49-F238E27FC236}">
+                <a16:creationId xmlns:a16="http://schemas.microsoft.com/office/drawing/2014/main" id="{690F1CBB-C7B6-43F7-A3BA-FA18F8ABF034}"/>
+              </a:ext>
+            </a:extLst>
+          </p:cNvPr>
+          <p:cNvSpPr>
+            <a:spLocks noGrp="1"/>
+          </p:cNvSpPr>
+          <p:nvPr>
+            <p:ph idx="1"/>
+          </p:nvPr>
+        </p:nvSpPr>
+        <p:spPr/>
+        <p:txBody>
+          <a:bodyPr/>
+          <a:lstStyle/>
+          <a:p>
+            <a:r>
+              <a:rPr lang="en-IN" dirty="0"/>
+              <a:t>People are willing to pay more for certain facilities and less for others.</a:t>
+            </a:r>
+          </a:p>
+          <a:p>
+            <a:r>
+              <a:rPr lang="en-IN" dirty="0"/>
+              <a:t> Closing down one runs in the resort will not have any effect on ticket price and revenue.</a:t>
+            </a:r>
+          </a:p>
+          <a:p>
+            <a:r>
+              <a:rPr lang="en-IN" dirty="0"/>
+              <a:t>Increasing the vertical drop, chair lift, snow making area and runs in conjunction shows a significant increase in the ticket price and revenue for the resort.</a:t>
+            </a:r>
+          </a:p>
+        </p:txBody>
+      </p:sp>
+    </p:spTree>
+    <p:extLst>
+      <p:ext uri="{BB962C8B-B14F-4D97-AF65-F5344CB8AC3E}">
+        <p14:creationId xmlns:p14="http://schemas.microsoft.com/office/powerpoint/2010/main" val="3156910167"/>
+      </p:ext>
+    </p:extLst>
+  </p:cSld>
+  <p:clrMapOvr>
+    <a:masterClrMapping/>
+  </p:clrMapOvr>
+</p:sld>
+</file>
+
+<file path=ppt/slides/slide7.xml><?xml version="1.0" encoding="utf-8"?>
+<p:sld xmlns:a="http://schemas.openxmlformats.org/drawingml/2006/main" xmlns:r="http://schemas.openxmlformats.org/officeDocument/2006/relationships" xmlns:p="http://schemas.openxmlformats.org/presentationml/2006/main">
+  <p:cSld>
+    <p:spTree>
+      <p:nvGrpSpPr>
+        <p:cNvPr id="1" name=""/>
+        <p:cNvGrpSpPr/>
+        <p:nvPr/>
+      </p:nvGrpSpPr>
+      <p:grpSpPr>
+        <a:xfrm>
+          <a:off x="0" y="0"/>
+          <a:ext cx="0" cy="0"/>
+          <a:chOff x="0" y="0"/>
+          <a:chExt cx="0" cy="0"/>
+        </a:xfrm>
+      </p:grpSpPr>
+      <p:sp>
+        <p:nvSpPr>
+          <p:cNvPr id="2" name="Title 1">
+            <a:extLst>
+              <a:ext uri="{FF2B5EF4-FFF2-40B4-BE49-F238E27FC236}">
+                <a16:creationId xmlns:a16="http://schemas.microsoft.com/office/drawing/2014/main" id="{B3FAD7A0-834F-4066-B067-E09E9C36DF48}"/>
+              </a:ext>
+            </a:extLst>
+          </p:cNvPr>
+          <p:cNvSpPr>
+            <a:spLocks noGrp="1"/>
+          </p:cNvSpPr>
+          <p:nvPr>
+            <p:ph type="title"/>
+          </p:nvPr>
+        </p:nvSpPr>
+        <p:spPr/>
+        <p:txBody>
+          <a:bodyPr/>
+          <a:lstStyle/>
+          <a:p>
+            <a:r>
+              <a:rPr lang="en-IN" dirty="0"/>
+              <a:t>Conclusion</a:t>
+            </a:r>
+          </a:p>
+        </p:txBody>
+      </p:sp>
+      <p:sp>
+        <p:nvSpPr>
+          <p:cNvPr id="3" name="Content Placeholder 2">
+            <a:extLst>
+              <a:ext uri="{FF2B5EF4-FFF2-40B4-BE49-F238E27FC236}">
+                <a16:creationId xmlns:a16="http://schemas.microsoft.com/office/drawing/2014/main" id="{906B3D8D-4CF7-4249-9572-5067AE3C75F7}"/>
+              </a:ext>
+            </a:extLst>
+          </p:cNvPr>
+          <p:cNvSpPr>
+            <a:spLocks noGrp="1"/>
+          </p:cNvSpPr>
+          <p:nvPr>
+            <p:ph idx="1"/>
+          </p:nvPr>
+        </p:nvSpPr>
+        <p:spPr/>
+        <p:txBody>
+          <a:bodyPr/>
+          <a:lstStyle/>
+          <a:p>
+            <a:r>
+              <a:rPr lang="en-IN" dirty="0"/>
+              <a:t>As per current facilities there is an almost 16% room (~$94) for an increase in the ticket prices.</a:t>
+            </a:r>
+          </a:p>
+          <a:p>
+            <a:r>
+              <a:rPr lang="en-IN" dirty="0"/>
+              <a:t>But the resort is also the most expensive among the state.</a:t>
+            </a:r>
+          </a:p>
+          <a:p>
+            <a:r>
+              <a:rPr lang="en-IN" dirty="0"/>
+              <a:t>Considering the at par facilities provided by the resort but also considering the state in which it lies, the resort could thus charge a ticket price of $89 which is a 10% increase in its current price.</a:t>
+            </a:r>
+          </a:p>
+        </p:txBody>
+      </p:sp>
+    </p:spTree>
+    <p:extLst>
+      <p:ext uri="{BB962C8B-B14F-4D97-AF65-F5344CB8AC3E}">
+        <p14:creationId xmlns:p14="http://schemas.microsoft.com/office/powerpoint/2010/main" val="2247112073"/>
       </p:ext>
     </p:extLst>
   </p:cSld>
